--- a/assets/img/Phoenix Pro PCR, FDA Grade & ReNew PIR-PP product categories.pptx
+++ b/assets/img/Phoenix Pro PCR, FDA Grade & ReNew PIR-PP product categories.pptx
@@ -5,8 +5,9 @@
     <p:sldMasterId id="2147483648" r:id="rId1"/>
   </p:sldMasterIdLst>
   <p:sldIdLst>
-    <p:sldId id="261" r:id="rId2"/>
-    <p:sldId id="262" r:id="rId3"/>
+    <p:sldId id="263" r:id="rId2"/>
+    <p:sldId id="261" r:id="rId3"/>
+    <p:sldId id="262" r:id="rId4"/>
   </p:sldIdLst>
   <p:sldSz cx="12192000" cy="6858000"/>
   <p:notesSz cx="6858000" cy="9144000"/>
@@ -260,7 +261,7 @@
           <a:p>
             <a:fld id="{3F7AC261-9E83-4F6D-A09C-B300945A25F9}" type="datetimeFigureOut">
               <a:rPr lang="en-US" smtClean="0"/>
-              <a:t>8/15/2023</a:t>
+              <a:t>9/5/2023</a:t>
             </a:fld>
             <a:endParaRPr lang="en-US"/>
           </a:p>
@@ -458,7 +459,7 @@
           <a:p>
             <a:fld id="{3F7AC261-9E83-4F6D-A09C-B300945A25F9}" type="datetimeFigureOut">
               <a:rPr lang="en-US" smtClean="0"/>
-              <a:t>8/15/2023</a:t>
+              <a:t>9/5/2023</a:t>
             </a:fld>
             <a:endParaRPr lang="en-US"/>
           </a:p>
@@ -666,7 +667,7 @@
           <a:p>
             <a:fld id="{3F7AC261-9E83-4F6D-A09C-B300945A25F9}" type="datetimeFigureOut">
               <a:rPr lang="en-US" smtClean="0"/>
-              <a:t>8/15/2023</a:t>
+              <a:t>9/5/2023</a:t>
             </a:fld>
             <a:endParaRPr lang="en-US"/>
           </a:p>
@@ -864,7 +865,7 @@
           <a:p>
             <a:fld id="{3F7AC261-9E83-4F6D-A09C-B300945A25F9}" type="datetimeFigureOut">
               <a:rPr lang="en-US" smtClean="0"/>
-              <a:t>8/15/2023</a:t>
+              <a:t>9/5/2023</a:t>
             </a:fld>
             <a:endParaRPr lang="en-US"/>
           </a:p>
@@ -1139,7 +1140,7 @@
           <a:p>
             <a:fld id="{3F7AC261-9E83-4F6D-A09C-B300945A25F9}" type="datetimeFigureOut">
               <a:rPr lang="en-US" smtClean="0"/>
-              <a:t>8/15/2023</a:t>
+              <a:t>9/5/2023</a:t>
             </a:fld>
             <a:endParaRPr lang="en-US"/>
           </a:p>
@@ -1404,7 +1405,7 @@
           <a:p>
             <a:fld id="{3F7AC261-9E83-4F6D-A09C-B300945A25F9}" type="datetimeFigureOut">
               <a:rPr lang="en-US" smtClean="0"/>
-              <a:t>8/15/2023</a:t>
+              <a:t>9/5/2023</a:t>
             </a:fld>
             <a:endParaRPr lang="en-US"/>
           </a:p>
@@ -1816,7 +1817,7 @@
           <a:p>
             <a:fld id="{3F7AC261-9E83-4F6D-A09C-B300945A25F9}" type="datetimeFigureOut">
               <a:rPr lang="en-US" smtClean="0"/>
-              <a:t>8/15/2023</a:t>
+              <a:t>9/5/2023</a:t>
             </a:fld>
             <a:endParaRPr lang="en-US"/>
           </a:p>
@@ -1957,7 +1958,7 @@
           <a:p>
             <a:fld id="{3F7AC261-9E83-4F6D-A09C-B300945A25F9}" type="datetimeFigureOut">
               <a:rPr lang="en-US" smtClean="0"/>
-              <a:t>8/15/2023</a:t>
+              <a:t>9/5/2023</a:t>
             </a:fld>
             <a:endParaRPr lang="en-US"/>
           </a:p>
@@ -2070,7 +2071,7 @@
           <a:p>
             <a:fld id="{3F7AC261-9E83-4F6D-A09C-B300945A25F9}" type="datetimeFigureOut">
               <a:rPr lang="en-US" smtClean="0"/>
-              <a:t>8/15/2023</a:t>
+              <a:t>9/5/2023</a:t>
             </a:fld>
             <a:endParaRPr lang="en-US"/>
           </a:p>
@@ -2381,7 +2382,7 @@
           <a:p>
             <a:fld id="{3F7AC261-9E83-4F6D-A09C-B300945A25F9}" type="datetimeFigureOut">
               <a:rPr lang="en-US" smtClean="0"/>
-              <a:t>8/15/2023</a:t>
+              <a:t>9/5/2023</a:t>
             </a:fld>
             <a:endParaRPr lang="en-US"/>
           </a:p>
@@ -2669,7 +2670,7 @@
           <a:p>
             <a:fld id="{3F7AC261-9E83-4F6D-A09C-B300945A25F9}" type="datetimeFigureOut">
               <a:rPr lang="en-US" smtClean="0"/>
-              <a:t>8/15/2023</a:t>
+              <a:t>9/5/2023</a:t>
             </a:fld>
             <a:endParaRPr lang="en-US"/>
           </a:p>
@@ -2910,7 +2911,7 @@
           <a:p>
             <a:fld id="{3F7AC261-9E83-4F6D-A09C-B300945A25F9}" type="datetimeFigureOut">
               <a:rPr lang="en-US" smtClean="0"/>
-              <a:t>8/15/2023</a:t>
+              <a:t>9/5/2023</a:t>
             </a:fld>
             <a:endParaRPr lang="en-US"/>
           </a:p>
@@ -3327,6 +3328,66 @@
           <a:chExt cx="0" cy="0"/>
         </a:xfrm>
       </p:grpSpPr>
+      <p:pic>
+        <p:nvPicPr>
+          <p:cNvPr id="7" name="Picture 6">
+            <a:extLst>
+              <a:ext uri="{FF2B5EF4-FFF2-40B4-BE49-F238E27FC236}">
+                <a16:creationId xmlns:a16="http://schemas.microsoft.com/office/drawing/2014/main" id="{EDD7728C-6A33-45E3-C006-4BE69493EAB5}"/>
+              </a:ext>
+            </a:extLst>
+          </p:cNvPr>
+          <p:cNvPicPr>
+            <a:picLocks noChangeAspect="1"/>
+          </p:cNvPicPr>
+          <p:nvPr/>
+        </p:nvPicPr>
+        <p:blipFill>
+          <a:blip r:embed="rId2"/>
+          <a:stretch>
+            <a:fillRect/>
+          </a:stretch>
+        </p:blipFill>
+        <p:spPr>
+          <a:xfrm>
+            <a:off x="2797914" y="-1845099"/>
+            <a:ext cx="6753372" cy="8590861"/>
+          </a:xfrm>
+          <a:prstGeom prst="rect">
+            <a:avLst/>
+          </a:prstGeom>
+        </p:spPr>
+      </p:pic>
+    </p:spTree>
+    <p:extLst>
+      <p:ext uri="{BB962C8B-B14F-4D97-AF65-F5344CB8AC3E}">
+        <p14:creationId xmlns:p14="http://schemas.microsoft.com/office/powerpoint/2010/main" val="369467367"/>
+      </p:ext>
+    </p:extLst>
+  </p:cSld>
+  <p:clrMapOvr>
+    <a:masterClrMapping/>
+  </p:clrMapOvr>
+</p:sld>
+</file>
+
+<file path=ppt/slides/slide2.xml><?xml version="1.0" encoding="utf-8"?>
+<p:sld xmlns:a="http://schemas.openxmlformats.org/drawingml/2006/main" xmlns:r="http://schemas.openxmlformats.org/officeDocument/2006/relationships" xmlns:p="http://schemas.openxmlformats.org/presentationml/2006/main">
+  <p:cSld>
+    <p:spTree>
+      <p:nvGrpSpPr>
+        <p:cNvPr id="1" name=""/>
+        <p:cNvGrpSpPr/>
+        <p:nvPr/>
+      </p:nvGrpSpPr>
+      <p:grpSpPr>
+        <a:xfrm>
+          <a:off x="0" y="0"/>
+          <a:ext cx="0" cy="0"/>
+          <a:chOff x="0" y="0"/>
+          <a:chExt cx="0" cy="0"/>
+        </a:xfrm>
+      </p:grpSpPr>
       <p:sp>
         <p:nvSpPr>
           <p:cNvPr id="6" name="Content Placeholder 5">
@@ -4128,36 +4189,6 @@
           </a:prstGeom>
         </p:spPr>
       </p:pic>
-      <p:pic>
-        <p:nvPicPr>
-          <p:cNvPr id="15" name="Picture 14">
-            <a:extLst>
-              <a:ext uri="{FF2B5EF4-FFF2-40B4-BE49-F238E27FC236}">
-                <a16:creationId xmlns:a16="http://schemas.microsoft.com/office/drawing/2014/main" id="{1BEEE7DD-1156-DFDA-19A0-846D403A3469}"/>
-              </a:ext>
-            </a:extLst>
-          </p:cNvPr>
-          <p:cNvPicPr>
-            <a:picLocks noChangeAspect="1"/>
-          </p:cNvPicPr>
-          <p:nvPr/>
-        </p:nvPicPr>
-        <p:blipFill>
-          <a:blip r:embed="rId4"/>
-          <a:stretch>
-            <a:fillRect/>
-          </a:stretch>
-        </p:blipFill>
-        <p:spPr>
-          <a:xfrm>
-            <a:off x="9549628" y="4209760"/>
-            <a:ext cx="1375410" cy="1749638"/>
-          </a:xfrm>
-          <a:prstGeom prst="rect">
-            <a:avLst/>
-          </a:prstGeom>
-        </p:spPr>
-      </p:pic>
     </p:spTree>
     <p:extLst>
       <p:ext uri="{BB962C8B-B14F-4D97-AF65-F5344CB8AC3E}">
@@ -4171,7 +4202,7 @@
 </p:sld>
 </file>
 
-<file path=ppt/slides/slide2.xml><?xml version="1.0" encoding="utf-8"?>
+<file path=ppt/slides/slide3.xml><?xml version="1.0" encoding="utf-8"?>
 <p:sld xmlns:a="http://schemas.openxmlformats.org/drawingml/2006/main" xmlns:r="http://schemas.openxmlformats.org/officeDocument/2006/relationships" xmlns:p="http://schemas.openxmlformats.org/presentationml/2006/main">
   <p:cSld>
     <p:spTree>
